--- a/Mortality causes in Mexico.pptx
+++ b/Mortality causes in Mexico.pptx
@@ -109,6 +109,11 @@
       </a:defRPr>
     </a:lvl9pPr>
   </p:defaultTextStyle>
+  <p:extLst>
+    <p:ext uri="{EFAFB233-063F-42B5-8137-9DF3F51BA10A}">
+      <p15:sldGuideLst xmlns:p15="http://schemas.microsoft.com/office/powerpoint/2012/main"/>
+    </p:ext>
+  </p:extLst>
 </p:presentation>
 </file>
 
@@ -1053,10 +1058,10 @@
         <a:lstStyle/>
         <a:p>
           <a:r>
-            <a:rPr lang="en-AU"/>
+            <a:rPr lang="en-AU" dirty="0"/>
             <a:t>Integrate mortality data from 1990-2019.</a:t>
           </a:r>
-          <a:endParaRPr lang="en-US"/>
+          <a:endParaRPr lang="en-US" dirty="0"/>
         </a:p>
       </dgm:t>
     </dgm:pt>
@@ -1295,10 +1300,10 @@
             <a:buNone/>
           </a:pPr>
           <a:r>
-            <a:rPr lang="en-AU" sz="5500" kern="1200"/>
+            <a:rPr lang="en-AU" sz="5500" kern="1200" dirty="0"/>
             <a:t>Integrate mortality data from 1990-2019.</a:t>
           </a:r>
-          <a:endParaRPr lang="en-US" sz="5500" kern="1200"/>
+          <a:endParaRPr lang="en-US" sz="5500" kern="1200" dirty="0"/>
         </a:p>
       </dsp:txBody>
       <dsp:txXfrm>
@@ -3070,7 +3075,7 @@
           <a:p>
             <a:fld id="{24682A55-2413-4008-8CDF-80EEB18C530E}" type="datetimeFigureOut">
               <a:rPr lang="en-AU" smtClean="0"/>
-              <a:t>24/07/2022</a:t>
+              <a:t>25/07/2022</a:t>
             </a:fld>
             <a:endParaRPr lang="en-AU"/>
           </a:p>
@@ -3270,7 +3275,7 @@
           <a:p>
             <a:fld id="{24682A55-2413-4008-8CDF-80EEB18C530E}" type="datetimeFigureOut">
               <a:rPr lang="en-AU" smtClean="0"/>
-              <a:t>24/07/2022</a:t>
+              <a:t>25/07/2022</a:t>
             </a:fld>
             <a:endParaRPr lang="en-AU"/>
           </a:p>
@@ -3480,7 +3485,7 @@
           <a:p>
             <a:fld id="{24682A55-2413-4008-8CDF-80EEB18C530E}" type="datetimeFigureOut">
               <a:rPr lang="en-AU" smtClean="0"/>
-              <a:t>24/07/2022</a:t>
+              <a:t>25/07/2022</a:t>
             </a:fld>
             <a:endParaRPr lang="en-AU"/>
           </a:p>
@@ -3680,7 +3685,7 @@
           <a:p>
             <a:fld id="{24682A55-2413-4008-8CDF-80EEB18C530E}" type="datetimeFigureOut">
               <a:rPr lang="en-AU" smtClean="0"/>
-              <a:t>24/07/2022</a:t>
+              <a:t>25/07/2022</a:t>
             </a:fld>
             <a:endParaRPr lang="en-AU"/>
           </a:p>
@@ -3956,7 +3961,7 @@
           <a:p>
             <a:fld id="{24682A55-2413-4008-8CDF-80EEB18C530E}" type="datetimeFigureOut">
               <a:rPr lang="en-AU" smtClean="0"/>
-              <a:t>24/07/2022</a:t>
+              <a:t>25/07/2022</a:t>
             </a:fld>
             <a:endParaRPr lang="en-AU"/>
           </a:p>
@@ -4224,7 +4229,7 @@
           <a:p>
             <a:fld id="{24682A55-2413-4008-8CDF-80EEB18C530E}" type="datetimeFigureOut">
               <a:rPr lang="en-AU" smtClean="0"/>
-              <a:t>24/07/2022</a:t>
+              <a:t>25/07/2022</a:t>
             </a:fld>
             <a:endParaRPr lang="en-AU"/>
           </a:p>
@@ -4639,7 +4644,7 @@
           <a:p>
             <a:fld id="{24682A55-2413-4008-8CDF-80EEB18C530E}" type="datetimeFigureOut">
               <a:rPr lang="en-AU" smtClean="0"/>
-              <a:t>24/07/2022</a:t>
+              <a:t>25/07/2022</a:t>
             </a:fld>
             <a:endParaRPr lang="en-AU"/>
           </a:p>
@@ -4781,7 +4786,7 @@
           <a:p>
             <a:fld id="{24682A55-2413-4008-8CDF-80EEB18C530E}" type="datetimeFigureOut">
               <a:rPr lang="en-AU" smtClean="0"/>
-              <a:t>24/07/2022</a:t>
+              <a:t>25/07/2022</a:t>
             </a:fld>
             <a:endParaRPr lang="en-AU"/>
           </a:p>
@@ -4894,7 +4899,7 @@
           <a:p>
             <a:fld id="{24682A55-2413-4008-8CDF-80EEB18C530E}" type="datetimeFigureOut">
               <a:rPr lang="en-AU" smtClean="0"/>
-              <a:t>24/07/2022</a:t>
+              <a:t>25/07/2022</a:t>
             </a:fld>
             <a:endParaRPr lang="en-AU"/>
           </a:p>
@@ -5207,7 +5212,7 @@
           <a:p>
             <a:fld id="{24682A55-2413-4008-8CDF-80EEB18C530E}" type="datetimeFigureOut">
               <a:rPr lang="en-AU" smtClean="0"/>
-              <a:t>24/07/2022</a:t>
+              <a:t>25/07/2022</a:t>
             </a:fld>
             <a:endParaRPr lang="en-AU"/>
           </a:p>
@@ -5496,7 +5501,7 @@
           <a:p>
             <a:fld id="{24682A55-2413-4008-8CDF-80EEB18C530E}" type="datetimeFigureOut">
               <a:rPr lang="en-AU" smtClean="0"/>
-              <a:t>24/07/2022</a:t>
+              <a:t>25/07/2022</a:t>
             </a:fld>
             <a:endParaRPr lang="en-AU"/>
           </a:p>
@@ -5739,7 +5744,7 @@
           <a:p>
             <a:fld id="{24682A55-2413-4008-8CDF-80EEB18C530E}" type="datetimeFigureOut">
               <a:rPr lang="en-AU" smtClean="0"/>
-              <a:t>24/07/2022</a:t>
+              <a:t>25/07/2022</a:t>
             </a:fld>
             <a:endParaRPr lang="en-AU"/>
           </a:p>
@@ -7716,34 +7721,58 @@
           <a:lstStyle/>
           <a:p>
             <a:r>
-              <a:rPr lang="en-US" sz="2200"/>
-              <a:t>The importance of knowing the causes of mortality in a country is due to the fact that they help us to analyze and design better programs, implement improvements and evaluate the health system.</a:t>
+              <a:rPr lang="en-US" sz="2200" dirty="0"/>
+              <a:t>The importance of knowing the causes of mortality in a country is because they help us to analyze and design better programs, implement improvements and evaluate the health system.</a:t>
             </a:r>
-            <a:endParaRPr lang="en-AU" sz="2200"/>
-          </a:p>
-          <a:p>
-            <a:endParaRPr lang="en-AU" sz="2200"/>
+            <a:endParaRPr lang="en-AU" sz="2200" dirty="0"/>
           </a:p>
           <a:p>
             <a:r>
-              <a:rPr lang="en-US" sz="2200"/>
-              <a:t>There is evidence that thanks to these statistical analyses, mortality in children under 5 years of age decreased drastically thanks to the development of programs in the country (Mexico) such as “Seguro Popular” (low-cost health insurance for people that has not access to other social security schemas). (Trends in avoidable mortality over the life course in Mexico, 1990-2015: a cross- sectional demographic analysis; Aburto, Riffe, Canudas-Romo)</a:t>
+              <a:rPr lang="en-US" sz="2200" dirty="0"/>
+              <a:t>There is evidence that thanks to these statistical analyses, mortality in children under 5 years of age decreased drastically thanks to the development of programs in the country (Mexico) such as “Seguro Popular” (low-cost health insurance for people that has no access to other social security schemas). (Trends in avoidable mortality over the life course in Mexico, 1990-2015: a cross-sectional demographic analysis; </a:t>
             </a:r>
-          </a:p>
-          <a:p>
-            <a:endParaRPr lang="en-US" sz="2200"/>
-          </a:p>
-          <a:p>
-            <a:endParaRPr lang="en-US" sz="2200"/>
-          </a:p>
-          <a:p>
-            <a:endParaRPr lang="en-US" sz="2200"/>
-          </a:p>
-          <a:p>
-            <a:endParaRPr lang="en-AU" sz="2200"/>
-          </a:p>
-          <a:p>
-            <a:endParaRPr lang="en-AU" sz="2200"/>
+            <a:r>
+              <a:rPr lang="en-US" sz="2200" dirty="0" err="1"/>
+              <a:t>Aburto</a:t>
+            </a:r>
+            <a:r>
+              <a:rPr lang="en-US" sz="2200" dirty="0"/>
+              <a:t>, </a:t>
+            </a:r>
+            <a:r>
+              <a:rPr lang="en-US" sz="2200" dirty="0" err="1"/>
+              <a:t>Riffe</a:t>
+            </a:r>
+            <a:r>
+              <a:rPr lang="en-US" sz="2200" dirty="0"/>
+              <a:t>, </a:t>
+            </a:r>
+            <a:r>
+              <a:rPr lang="en-US" sz="2200" dirty="0" err="1"/>
+              <a:t>Canudas</a:t>
+            </a:r>
+            <a:r>
+              <a:rPr lang="en-US" sz="2200" dirty="0"/>
+              <a:t>-Romo)</a:t>
+            </a:r>
+          </a:p>
+          <a:p>
+            <a:r>
+              <a:rPr lang="en-US" sz="2200" dirty="0"/>
+              <a:t>Since 2019, COVID-19 became a major threat in Mexico. With this in mind, one of the goals of this project is to publicize the impact it had on the Mexican population.</a:t>
+            </a:r>
+          </a:p>
+          <a:p>
+            <a:endParaRPr lang="en-US" sz="2200" dirty="0"/>
+          </a:p>
+          <a:p>
+            <a:endParaRPr lang="en-US" sz="2200" dirty="0"/>
+          </a:p>
+          <a:p>
+            <a:endParaRPr lang="en-AU" sz="2200" dirty="0"/>
+          </a:p>
+          <a:p>
+            <a:endParaRPr lang="en-AU" sz="2200" dirty="0"/>
           </a:p>
         </p:txBody>
       </p:sp>
@@ -8547,54 +8576,78 @@
           <a:lstStyle/>
           <a:p>
             <a:r>
-              <a:rPr lang="en-AU" sz="2200"/>
-              <a:t>Use microdata of death records from National Institute of Statistics and Geography (known in Spanish as INEGI).</a:t>
+              <a:rPr lang="en-AU" sz="2200" dirty="0"/>
+              <a:t>Use microdata of death records from the National Institute of Statistics and Geography (known in Spanish as INEGI).</a:t>
             </a:r>
           </a:p>
           <a:p>
             <a:r>
-              <a:rPr lang="en-AU" sz="2200"/>
-              <a:t>Data has a star model and were originally stored as dbf.</a:t>
+              <a:rPr lang="en-AU" sz="2200" dirty="0"/>
+              <a:t>Data has a star model and were originally stored as </a:t>
             </a:r>
-          </a:p>
-          <a:p>
             <a:r>
-              <a:rPr lang="en-AU" sz="2200"/>
+              <a:rPr lang="en-AU" sz="2200" dirty="0" err="1"/>
+              <a:t>dbf</a:t>
+            </a:r>
+            <a:r>
+              <a:rPr lang="en-AU" sz="2200" dirty="0"/>
+              <a:t>.</a:t>
+            </a:r>
+          </a:p>
+          <a:p>
+            <a:r>
+              <a:rPr lang="en-AU" sz="2200" dirty="0"/>
               <a:t>Data Engineering:</a:t>
             </a:r>
           </a:p>
           <a:p>
             <a:pPr lvl="1"/>
             <a:r>
-              <a:rPr lang="en-AU" sz="2200"/>
-              <a:t>Convert dbf file into csv (Excel)</a:t>
+              <a:rPr lang="en-AU" sz="2200" dirty="0"/>
+              <a:t>Convert  </a:t>
+            </a:r>
+            <a:r>
+              <a:rPr lang="en-AU" sz="2200" dirty="0" err="1"/>
+              <a:t>dbf</a:t>
+            </a:r>
+            <a:r>
+              <a:rPr lang="en-AU" sz="2200" dirty="0"/>
+              <a:t> files into CSV (Excel)</a:t>
             </a:r>
           </a:p>
           <a:p>
             <a:pPr lvl="1"/>
             <a:r>
-              <a:rPr lang="en-AU" sz="2200"/>
-              <a:t>Clean data, getting new dataframes by merging tables.</a:t>
+              <a:rPr lang="en-AU" sz="2200" dirty="0"/>
+              <a:t>Clean data, getting new </a:t>
+            </a:r>
+            <a:r>
+              <a:rPr lang="en-AU" sz="2200" dirty="0" err="1"/>
+              <a:t>dataframes</a:t>
+            </a:r>
+            <a:r>
+              <a:rPr lang="en-AU" sz="2200" dirty="0"/>
+              <a:t> by merging tables.</a:t>
             </a:r>
           </a:p>
           <a:p>
             <a:pPr lvl="1"/>
             <a:r>
-              <a:rPr lang="en-AU" sz="2200"/>
-              <a:t>Create new columns to transform the data in readable information.</a:t>
+              <a:rPr lang="en-AU" sz="2200" dirty="0"/>
+              <a:t>Create new columns to transform the data into readable information.</a:t>
             </a:r>
           </a:p>
           <a:p>
             <a:pPr lvl="1"/>
             <a:r>
-              <a:rPr lang="en-AU" sz="2200"/>
-              <a:t>Slice the original database to keep only the important columns for this project. (data size restrictions).</a:t>
+              <a:rPr lang="en-AU" sz="2200" dirty="0"/>
+              <a:t>Slice the original database to keep only the important columns for this project. (data size restrictions, 1.2M records!!!).</a:t>
             </a:r>
           </a:p>
           <a:p>
             <a:pPr lvl="1"/>
             <a:r>
-              <a:rPr lang="en-AU" sz="2200"/>
+              <a:rPr lang="en-AU" sz="2200" dirty="0"/>
               <a:t>Store data into SQL</a:t>
             </a:r>
           </a:p>
@@ -9400,24 +9453,32 @@
           <a:lstStyle/>
           <a:p>
             <a:r>
-              <a:rPr lang="en-AU" sz="2200"/>
+              <a:rPr lang="en-AU" sz="2200" dirty="0"/>
               <a:t>Create a Flask app</a:t>
             </a:r>
           </a:p>
           <a:p>
             <a:r>
-              <a:rPr lang="en-AU" sz="2200"/>
+              <a:rPr lang="en-AU" sz="2200" dirty="0"/>
               <a:t>Create a HTML/CSS</a:t>
             </a:r>
           </a:p>
           <a:p>
             <a:r>
-              <a:rPr lang="en-AU" sz="2200"/>
-              <a:t>Use Plotly to create dashboards alike charts inside the app.</a:t>
+              <a:rPr lang="en-AU" sz="2200" dirty="0"/>
+              <a:t>Use </a:t>
             </a:r>
-          </a:p>
-          <a:p>
-            <a:endParaRPr lang="en-AU" sz="2200"/>
+            <a:r>
+              <a:rPr lang="en-AU" sz="2200" dirty="0" err="1"/>
+              <a:t>Plotly</a:t>
+            </a:r>
+            <a:r>
+              <a:rPr lang="en-AU" sz="2200" dirty="0"/>
+              <a:t> to create dashboards with charts inside the app.</a:t>
+            </a:r>
+          </a:p>
+          <a:p>
+            <a:endParaRPr lang="en-AU" sz="2200" dirty="0"/>
           </a:p>
         </p:txBody>
       </p:sp>
